--- a/ppt/53_Java 專案：標籤、方塊挖掘、配方.pptx
+++ b/ppt/53_Java 專案：標籤、方塊挖掘、配方.pptx
@@ -2,7 +2,7 @@
 <file path=ppt/presentation.xml><?xml version="1.0" encoding="utf-8"?>
 <p:presentation xmlns:a="http://schemas.openxmlformats.org/drawingml/2006/main" xmlns:r="http://schemas.openxmlformats.org/officeDocument/2006/relationships" xmlns:p="http://schemas.openxmlformats.org/presentationml/2006/main" saveSubsetFonts="1">
   <p:sldMasterIdLst>
-    <p:sldMasterId id="2147483660" r:id="rId1"/>
+    <p:sldMasterId id="2147483665" r:id="rId1"/>
   </p:sldMasterIdLst>
   <p:sldIdLst>
     <p:sldId id="256" r:id="rId2"/>
@@ -256,14 +256,14 @@
     </p:spTree>
     <p:extLst>
       <p:ext uri="{BB962C8B-B14F-4D97-AF65-F5344CB8AC3E}">
-        <p14:creationId xmlns:p14="http://schemas.microsoft.com/office/powerpoint/2010/main" val="3204230051"/>
+        <p14:creationId xmlns:p14="http://schemas.microsoft.com/office/powerpoint/2010/main" val="3773457139"/>
       </p:ext>
     </p:extLst>
   </p:cSld>
   <p:clrMapOvr>
     <a:masterClrMapping/>
   </p:clrMapOvr>
-  <p:transition spd="slow">
+  <p:transition>
     <p:push dir="u"/>
   </p:transition>
 </p:sldLayout>
@@ -640,14 +640,14 @@
     </p:spTree>
     <p:extLst>
       <p:ext uri="{BB962C8B-B14F-4D97-AF65-F5344CB8AC3E}">
-        <p14:creationId xmlns:p14="http://schemas.microsoft.com/office/powerpoint/2010/main" val="1443488719"/>
+        <p14:creationId xmlns:p14="http://schemas.microsoft.com/office/powerpoint/2010/main" val="1507763583"/>
       </p:ext>
     </p:extLst>
   </p:cSld>
   <p:clrMapOvr>
     <a:masterClrMapping/>
   </p:clrMapOvr>
-  <p:transition spd="slow">
+  <p:transition>
     <p:push dir="u"/>
   </p:transition>
 </p:sldLayout>
@@ -967,14 +967,14 @@
     </p:spTree>
     <p:extLst>
       <p:ext uri="{BB962C8B-B14F-4D97-AF65-F5344CB8AC3E}">
-        <p14:creationId xmlns:p14="http://schemas.microsoft.com/office/powerpoint/2010/main" val="3632095401"/>
+        <p14:creationId xmlns:p14="http://schemas.microsoft.com/office/powerpoint/2010/main" val="3547942113"/>
       </p:ext>
     </p:extLst>
   </p:cSld>
   <p:clrMapOvr>
     <a:masterClrMapping/>
   </p:clrMapOvr>
-  <p:transition spd="slow">
+  <p:transition>
     <p:push dir="u"/>
   </p:transition>
 </p:sldLayout>
@@ -1266,14 +1266,14 @@
     </p:spTree>
     <p:extLst>
       <p:ext uri="{BB962C8B-B14F-4D97-AF65-F5344CB8AC3E}">
-        <p14:creationId xmlns:p14="http://schemas.microsoft.com/office/powerpoint/2010/main" val="1781943197"/>
+        <p14:creationId xmlns:p14="http://schemas.microsoft.com/office/powerpoint/2010/main" val="2494917654"/>
       </p:ext>
     </p:extLst>
   </p:cSld>
   <p:clrMapOvr>
     <a:masterClrMapping/>
   </p:clrMapOvr>
-  <p:transition spd="slow">
+  <p:transition>
     <p:push dir="u"/>
   </p:transition>
 </p:sldLayout>
@@ -1499,18 +1499,18 @@
     </p:spTree>
     <p:extLst>
       <p:ext uri="{BB962C8B-B14F-4D97-AF65-F5344CB8AC3E}">
-        <p14:creationId xmlns:p14="http://schemas.microsoft.com/office/powerpoint/2010/main" val="2928883614"/>
+        <p14:creationId xmlns:p14="http://schemas.microsoft.com/office/powerpoint/2010/main" val="3358899005"/>
       </p:ext>
     </p:extLst>
   </p:cSld>
   <p:clrMap bg1="dk1" tx1="lt1" bg2="dk2" tx2="lt2" accent1="accent1" accent2="accent2" accent3="accent3" accent4="accent4" accent5="accent5" accent6="accent6" hlink="hlink" folHlink="folHlink"/>
   <p:sldLayoutIdLst>
-    <p:sldLayoutId id="2147483661" r:id="rId1"/>
-    <p:sldLayoutId id="2147483662" r:id="rId2"/>
-    <p:sldLayoutId id="2147483663" r:id="rId3"/>
-    <p:sldLayoutId id="2147483664" r:id="rId4"/>
+    <p:sldLayoutId id="2147483666" r:id="rId1"/>
+    <p:sldLayoutId id="2147483667" r:id="rId2"/>
+    <p:sldLayoutId id="2147483668" r:id="rId3"/>
+    <p:sldLayoutId id="2147483669" r:id="rId4"/>
   </p:sldLayoutIdLst>
-  <p:transition spd="slow">
+  <p:transition>
     <p:push dir="u"/>
   </p:transition>
   <p:txStyles>
@@ -1906,7 +1906,7 @@
   <p:clrMapOvr>
     <a:masterClrMapping/>
   </p:clrMapOvr>
-  <p:transition spd="slow">
+  <p:transition>
     <p:push dir="u"/>
   </p:transition>
 </p:sld>
@@ -2944,7 +2944,7 @@
   <p:clrMapOvr>
     <a:masterClrMapping/>
   </p:clrMapOvr>
-  <p:transition spd="slow">
+  <p:transition>
     <p:push dir="u"/>
   </p:transition>
 </p:sld>
@@ -2983,12 +2983,7 @@
             <p:ph type="title"/>
           </p:nvPr>
         </p:nvSpPr>
-        <p:spPr>
-          <a:xfrm>
-            <a:off x="838200" y="365125"/>
-            <a:ext cx="10515600" cy="1325563"/>
-          </a:xfrm>
-        </p:spPr>
+        <p:spPr/>
         <p:txBody>
           <a:bodyPr/>
           <a:lstStyle/>
@@ -3431,7 +3426,7 @@
   <p:clrMapOvr>
     <a:masterClrMapping/>
   </p:clrMapOvr>
-  <p:transition spd="slow">
+  <p:transition>
     <p:push dir="u"/>
   </p:transition>
 </p:sld>
@@ -5367,7 +5362,7 @@
   <p:clrMapOvr>
     <a:masterClrMapping/>
   </p:clrMapOvr>
-  <p:transition spd="slow">
+  <p:transition>
     <p:push dir="u"/>
   </p:transition>
 </p:sld>
@@ -6551,7 +6546,7 @@
   <p:clrMapOvr>
     <a:masterClrMapping/>
   </p:clrMapOvr>
-  <p:transition spd="slow">
+  <p:transition>
     <p:push dir="u"/>
   </p:transition>
 </p:sld>
@@ -7700,7 +7695,7 @@
   <p:clrMapOvr>
     <a:masterClrMapping/>
   </p:clrMapOvr>
-  <p:transition spd="slow">
+  <p:transition>
     <p:push dir="u"/>
   </p:transition>
 </p:sld>
@@ -8737,7 +8732,7 @@
   <p:clrMapOvr>
     <a:masterClrMapping/>
   </p:clrMapOvr>
-  <p:transition spd="slow">
+  <p:transition>
     <p:push dir="u"/>
   </p:transition>
 </p:sld>
@@ -8776,12 +8771,7 @@
             <p:ph type="title"/>
           </p:nvPr>
         </p:nvSpPr>
-        <p:spPr>
-          <a:xfrm>
-            <a:off x="838200" y="365125"/>
-            <a:ext cx="10515600" cy="1325563"/>
-          </a:xfrm>
-        </p:spPr>
+        <p:spPr/>
         <p:txBody>
           <a:bodyPr/>
           <a:lstStyle/>
@@ -9857,7 +9847,7 @@
   <p:clrMapOvr>
     <a:masterClrMapping/>
   </p:clrMapOvr>
-  <p:transition spd="slow">
+  <p:transition>
     <p:push dir="u"/>
   </p:transition>
 </p:sld>
@@ -10668,7 +10658,7 @@
   <p:clrMapOvr>
     <a:masterClrMapping/>
   </p:clrMapOvr>
-  <p:transition spd="slow">
+  <p:transition>
     <p:push dir="u"/>
   </p:transition>
 </p:sld>
@@ -10707,12 +10697,7 @@
             <p:ph type="title"/>
           </p:nvPr>
         </p:nvSpPr>
-        <p:spPr>
-          <a:xfrm>
-            <a:off x="838200" y="365125"/>
-            <a:ext cx="10515600" cy="1325563"/>
-          </a:xfrm>
-        </p:spPr>
+        <p:spPr/>
         <p:txBody>
           <a:bodyPr/>
           <a:lstStyle/>
@@ -10794,7 +10779,7 @@
   <p:clrMapOvr>
     <a:masterClrMapping/>
   </p:clrMapOvr>
-  <p:transition spd="slow">
+  <p:transition>
     <p:push dir="u"/>
   </p:transition>
 </p:sld>
@@ -10833,12 +10818,7 @@
             <p:ph type="title"/>
           </p:nvPr>
         </p:nvSpPr>
-        <p:spPr>
-          <a:xfrm>
-            <a:off x="838200" y="365125"/>
-            <a:ext cx="10515600" cy="1325563"/>
-          </a:xfrm>
-        </p:spPr>
+        <p:spPr/>
         <p:txBody>
           <a:bodyPr/>
           <a:lstStyle/>
@@ -11249,7 +11229,7 @@
   <p:clrMapOvr>
     <a:masterClrMapping/>
   </p:clrMapOvr>
-  <p:transition spd="slow">
+  <p:transition>
     <p:push dir="u"/>
   </p:transition>
 </p:sld>
@@ -12128,7 +12108,7 @@
   <p:clrMapOvr>
     <a:masterClrMapping/>
   </p:clrMapOvr>
-  <p:transition spd="slow">
+  <p:transition>
     <p:push dir="u"/>
   </p:transition>
 </p:sld>
@@ -12677,7 +12657,7 @@
   <p:clrMapOvr>
     <a:masterClrMapping/>
   </p:clrMapOvr>
-  <p:transition spd="slow">
+  <p:transition>
     <p:push dir="u"/>
   </p:transition>
 </p:sld>
@@ -13035,7 +13015,7 @@
   <p:clrMapOvr>
     <a:masterClrMapping/>
   </p:clrMapOvr>
-  <p:transition spd="slow">
+  <p:transition>
     <p:push dir="u"/>
   </p:transition>
 </p:sld>
@@ -14904,7 +14884,7 @@
   <p:clrMapOvr>
     <a:masterClrMapping/>
   </p:clrMapOvr>
-  <p:transition spd="slow">
+  <p:transition>
     <p:push dir="u"/>
   </p:transition>
 </p:sld>
@@ -16306,7 +16286,7 @@
   <p:clrMapOvr>
     <a:masterClrMapping/>
   </p:clrMapOvr>
-  <p:transition spd="slow">
+  <p:transition>
     <p:push dir="u"/>
   </p:transition>
 </p:sld>
@@ -17493,7 +17473,7 @@
   <p:clrMapOvr>
     <a:masterClrMapping/>
   </p:clrMapOvr>
-  <p:transition spd="slow">
+  <p:transition>
     <p:push dir="u"/>
   </p:transition>
 </p:sld>
@@ -17970,7 +17950,7 @@
   <p:clrMapOvr>
     <a:masterClrMapping/>
   </p:clrMapOvr>
-  <p:transition spd="slow">
+  <p:transition>
     <p:push dir="u"/>
   </p:transition>
 </p:sld>
@@ -18197,7 +18177,7 @@
   <a:extraClrSchemeLst/>
   <a:extLst>
     <a:ext uri="{05A4C25C-085E-4340-85A3-A5531E510DB2}">
-      <thm15:themeFamily xmlns:thm15="http://schemas.microsoft.com/office/thememl/2012/main" name="TYIC" id="{F8B8016E-470C-4FE5-A78C-33B2A9D17434}" vid="{BC6C4CDA-A093-4978-B969-B6482D48D481}"/>
+      <thm15:themeFamily xmlns:thm15="http://schemas.microsoft.com/office/thememl/2012/main" name="TYIC" id="{5F22F33A-EA50-4F22-9F2C-8A64A179567F}" vid="{3247D5A2-1B78-4AF4-9AA5-9AF4332DE771}"/>
     </a:ext>
   </a:extLst>
 </a:theme>
